--- a/speakerSlides.pptx
+++ b/speakerSlides.pptx
@@ -1303,7 +1303,7 @@
           </a:ln>
           <a:extLst>
             <a:ext uri="{C572A759-6A51-4108-AA02-DFA0A04FC94B}">
-              <ma14:wrappingTextBoxFlag xmlns:ma14="http://schemas.microsoft.com/office/mac/drawingml/2011/main" xmlns="" val="1"/>
+              <ma14:wrappingTextBoxFlag xmlns="" xmlns:ma14="http://schemas.microsoft.com/office/mac/drawingml/2011/main" val="1"/>
             </a:ext>
           </a:extLst>
         </p:spPr>
@@ -1346,7 +1346,7 @@
           </a:ln>
           <a:extLst>
             <a:ext uri="{C572A759-6A51-4108-AA02-DFA0A04FC94B}">
-              <ma14:wrappingTextBoxFlag xmlns:ma14="http://schemas.microsoft.com/office/mac/drawingml/2011/main" xmlns="" val="1"/>
+              <ma14:wrappingTextBoxFlag xmlns="" xmlns:ma14="http://schemas.microsoft.com/office/mac/drawingml/2011/main" val="1"/>
             </a:ext>
           </a:extLst>
         </p:spPr>
@@ -2547,8 +2547,19 @@
           <a:p>
             <a:r>
               <a:rPr lang="en-US" sz="7200" dirty="0" smtClean="0"/>
-              <a:t>Generous training allowance</a:t>
-            </a:r>
+              <a:t>Generous training </a:t>
+            </a:r>
+            <a:r>
+              <a:rPr lang="en-US" sz="7200" dirty="0" smtClean="0"/>
+              <a:t>allowance</a:t>
+            </a:r>
+          </a:p>
+          <a:p>
+            <a:r>
+              <a:rPr lang="en-US" sz="7200" dirty="0" smtClean="0"/>
+              <a:t>Talk to me if interested</a:t>
+            </a:r>
+            <a:endParaRPr lang="en-US" sz="7200" dirty="0" smtClean="0"/>
           </a:p>
           <a:p>
             <a:endParaRPr lang="en-US" sz="7200" dirty="0"/>

--- a/speakerSlides.pptx
+++ b/speakerSlides.pptx
@@ -5,7 +5,7 @@
     <p:sldMasterId id="2147483648" r:id="rId1"/>
   </p:sldMasterIdLst>
   <p:notesMasterIdLst>
-    <p:notesMasterId r:id="rId13"/>
+    <p:notesMasterId r:id="rId16"/>
   </p:notesMasterIdLst>
   <p:sldIdLst>
     <p:sldId id="256" r:id="rId2"/>
@@ -15,10 +15,13 @@
     <p:sldId id="261" r:id="rId6"/>
     <p:sldId id="262" r:id="rId7"/>
     <p:sldId id="263" r:id="rId8"/>
-    <p:sldId id="264" r:id="rId9"/>
-    <p:sldId id="265" r:id="rId10"/>
-    <p:sldId id="266" r:id="rId11"/>
-    <p:sldId id="258" r:id="rId12"/>
+    <p:sldId id="267" r:id="rId9"/>
+    <p:sldId id="264" r:id="rId10"/>
+    <p:sldId id="265" r:id="rId11"/>
+    <p:sldId id="266" r:id="rId12"/>
+    <p:sldId id="269" r:id="rId13"/>
+    <p:sldId id="268" r:id="rId14"/>
+    <p:sldId id="258" r:id="rId15"/>
   </p:sldIdLst>
   <p:sldSz cx="24384000" cy="13716000"/>
   <p:notesSz cx="6858000" cy="9144000"/>
@@ -1823,6 +1826,98 @@
       </p:grpSpPr>
       <p:pic>
         <p:nvPicPr>
+          <p:cNvPr id="2050" name="Picture 2"/>
+          <p:cNvPicPr>
+            <a:picLocks noChangeAspect="1" noChangeArrowheads="1"/>
+          </p:cNvPicPr>
+          <p:nvPr/>
+        </p:nvPicPr>
+        <p:blipFill>
+          <a:blip r:embed="rId2">
+            <a:extLst>
+              <a:ext uri="{28A0092B-C50C-407E-A947-70E740481C1C}">
+                <a14:useLocalDpi xmlns:a14="http://schemas.microsoft.com/office/drawing/2010/main" val="0"/>
+              </a:ext>
+            </a:extLst>
+          </a:blip>
+          <a:srcRect/>
+          <a:stretch>
+            <a:fillRect/>
+          </a:stretch>
+        </p:blipFill>
+        <p:spPr bwMode="auto">
+          <a:xfrm>
+            <a:off x="0" y="-152400"/>
+            <a:ext cx="24384000" cy="13862009"/>
+          </a:xfrm>
+          <a:prstGeom prst="rect">
+            <a:avLst/>
+          </a:prstGeom>
+          <a:noFill/>
+          <a:ln>
+            <a:noFill/>
+          </a:ln>
+          <a:extLst>
+            <a:ext uri="{909E8E84-426E-40DD-AFC4-6F175D3DCCD1}">
+              <a14:hiddenFill xmlns:a14="http://schemas.microsoft.com/office/drawing/2010/main">
+                <a:solidFill>
+                  <a:schemeClr val="accent1"/>
+                </a:solidFill>
+              </a14:hiddenFill>
+            </a:ext>
+            <a:ext uri="{91240B29-F687-4F45-9708-019B960494DF}">
+              <a14:hiddenLine xmlns:a14="http://schemas.microsoft.com/office/drawing/2010/main" w="9525">
+                <a:solidFill>
+                  <a:schemeClr val="tx1"/>
+                </a:solidFill>
+                <a:miter lim="800000"/>
+                <a:headEnd/>
+                <a:tailEnd/>
+              </a14:hiddenLine>
+            </a:ext>
+          </a:extLst>
+        </p:spPr>
+      </p:pic>
+    </p:spTree>
+    <p:extLst>
+      <p:ext uri="{BB962C8B-B14F-4D97-AF65-F5344CB8AC3E}">
+        <p14:creationId xmlns:p14="http://schemas.microsoft.com/office/powerpoint/2010/main" val="1462362579"/>
+      </p:ext>
+    </p:extLst>
+  </p:cSld>
+  <p:clrMapOvr>
+    <a:masterClrMapping/>
+  </p:clrMapOvr>
+  <p:transition spd="med"/>
+  <p:timing>
+    <p:tnLst>
+      <p:par>
+        <p:cTn id="1" dur="indefinite" restart="never" nodeType="tmRoot"/>
+      </p:par>
+    </p:tnLst>
+  </p:timing>
+</p:sld>
+</file>
+
+<file path=ppt/slides/slide11.xml><?xml version="1.0" encoding="utf-8"?>
+<p:sld xmlns:a="http://schemas.openxmlformats.org/drawingml/2006/main" xmlns:r="http://schemas.openxmlformats.org/officeDocument/2006/relationships" xmlns:p="http://schemas.openxmlformats.org/presentationml/2006/main">
+  <p:cSld>
+    <p:spTree>
+      <p:nvGrpSpPr>
+        <p:cNvPr id="1" name=""/>
+        <p:cNvGrpSpPr/>
+        <p:nvPr/>
+      </p:nvGrpSpPr>
+      <p:grpSpPr>
+        <a:xfrm>
+          <a:off x="0" y="0"/>
+          <a:ext cx="0" cy="0"/>
+          <a:chOff x="0" y="0"/>
+          <a:chExt cx="0" cy="0"/>
+        </a:xfrm>
+      </p:grpSpPr>
+      <p:pic>
+        <p:nvPicPr>
           <p:cNvPr id="3074" name="Picture 2"/>
           <p:cNvPicPr>
             <a:picLocks noChangeAspect="1" noChangeArrowheads="1"/>
@@ -1896,7 +1991,194 @@
 </p:sld>
 </file>
 
-<file path=ppt/slides/slide11.xml><?xml version="1.0" encoding="utf-8"?>
+<file path=ppt/slides/slide12.xml><?xml version="1.0" encoding="utf-8"?>
+<p:sld xmlns:a="http://schemas.openxmlformats.org/drawingml/2006/main" xmlns:r="http://schemas.openxmlformats.org/officeDocument/2006/relationships" xmlns:p="http://schemas.openxmlformats.org/presentationml/2006/main">
+  <p:cSld>
+    <p:spTree>
+      <p:nvGrpSpPr>
+        <p:cNvPr id="1" name=""/>
+        <p:cNvGrpSpPr/>
+        <p:nvPr/>
+      </p:nvGrpSpPr>
+      <p:grpSpPr>
+        <a:xfrm>
+          <a:off x="0" y="0"/>
+          <a:ext cx="0" cy="0"/>
+          <a:chOff x="0" y="0"/>
+          <a:chExt cx="0" cy="0"/>
+        </a:xfrm>
+      </p:grpSpPr>
+      <p:sp>
+        <p:nvSpPr>
+          <p:cNvPr id="2" name="Title 1"/>
+          <p:cNvSpPr>
+            <a:spLocks noGrp="1"/>
+          </p:cNvSpPr>
+          <p:nvPr>
+            <p:ph type="title"/>
+          </p:nvPr>
+        </p:nvSpPr>
+        <p:spPr/>
+        <p:txBody>
+          <a:bodyPr/>
+          <a:lstStyle/>
+          <a:p>
+            <a:r>
+              <a:rPr lang="en-US" dirty="0" smtClean="0"/>
+              <a:t>Testing on the device</a:t>
+            </a:r>
+            <a:endParaRPr lang="en-US" dirty="0"/>
+          </a:p>
+        </p:txBody>
+      </p:sp>
+      <p:pic>
+        <p:nvPicPr>
+          <p:cNvPr id="1026" name="Picture 2"/>
+          <p:cNvPicPr>
+            <a:picLocks noChangeAspect="1" noChangeArrowheads="1"/>
+          </p:cNvPicPr>
+          <p:nvPr/>
+        </p:nvPicPr>
+        <p:blipFill>
+          <a:blip r:embed="rId2">
+            <a:extLst>
+              <a:ext uri="{28A0092B-C50C-407E-A947-70E740481C1C}">
+                <a14:useLocalDpi xmlns:a14="http://schemas.microsoft.com/office/drawing/2010/main" val="0"/>
+              </a:ext>
+            </a:extLst>
+          </a:blip>
+          <a:srcRect/>
+          <a:stretch>
+            <a:fillRect/>
+          </a:stretch>
+        </p:blipFill>
+        <p:spPr bwMode="auto">
+          <a:xfrm>
+            <a:off x="4648200" y="3124200"/>
+            <a:ext cx="14478000" cy="9309691"/>
+          </a:xfrm>
+          <a:prstGeom prst="rect">
+            <a:avLst/>
+          </a:prstGeom>
+          <a:noFill/>
+          <a:ln>
+            <a:noFill/>
+          </a:ln>
+          <a:extLst>
+            <a:ext uri="{909E8E84-426E-40DD-AFC4-6F175D3DCCD1}">
+              <a14:hiddenFill xmlns:a14="http://schemas.microsoft.com/office/drawing/2010/main">
+                <a:solidFill>
+                  <a:schemeClr val="accent1"/>
+                </a:solidFill>
+              </a14:hiddenFill>
+            </a:ext>
+            <a:ext uri="{91240B29-F687-4F45-9708-019B960494DF}">
+              <a14:hiddenLine xmlns:a14="http://schemas.microsoft.com/office/drawing/2010/main" w="9525">
+                <a:solidFill>
+                  <a:schemeClr val="tx1"/>
+                </a:solidFill>
+                <a:miter lim="800000"/>
+                <a:headEnd/>
+                <a:tailEnd/>
+              </a14:hiddenLine>
+            </a:ext>
+          </a:extLst>
+        </p:spPr>
+      </p:pic>
+    </p:spTree>
+    <p:extLst>
+      <p:ext uri="{BB962C8B-B14F-4D97-AF65-F5344CB8AC3E}">
+        <p14:creationId xmlns:p14="http://schemas.microsoft.com/office/powerpoint/2010/main" val="4262013553"/>
+      </p:ext>
+    </p:extLst>
+  </p:cSld>
+  <p:clrMapOvr>
+    <a:masterClrMapping/>
+  </p:clrMapOvr>
+  <p:transition spd="med"/>
+  <p:timing>
+    <p:tnLst>
+      <p:par>
+        <p:cTn id="1" dur="indefinite" restart="never" nodeType="tmRoot"/>
+      </p:par>
+    </p:tnLst>
+  </p:timing>
+</p:sld>
+</file>
+
+<file path=ppt/slides/slide13.xml><?xml version="1.0" encoding="utf-8"?>
+<p:sld xmlns:a="http://schemas.openxmlformats.org/drawingml/2006/main" xmlns:r="http://schemas.openxmlformats.org/officeDocument/2006/relationships" xmlns:p="http://schemas.openxmlformats.org/presentationml/2006/main">
+  <p:cSld>
+    <p:spTree>
+      <p:nvGrpSpPr>
+        <p:cNvPr id="1" name=""/>
+        <p:cNvGrpSpPr/>
+        <p:nvPr/>
+      </p:nvGrpSpPr>
+      <p:grpSpPr>
+        <a:xfrm>
+          <a:off x="0" y="0"/>
+          <a:ext cx="0" cy="0"/>
+          <a:chOff x="0" y="0"/>
+          <a:chExt cx="0" cy="0"/>
+        </a:xfrm>
+      </p:grpSpPr>
+      <p:sp>
+        <p:nvSpPr>
+          <p:cNvPr id="2" name="Title 1"/>
+          <p:cNvSpPr>
+            <a:spLocks noGrp="1"/>
+          </p:cNvSpPr>
+          <p:nvPr>
+            <p:ph type="title"/>
+          </p:nvPr>
+        </p:nvSpPr>
+        <p:spPr>
+          <a:xfrm>
+            <a:off x="381000" y="457200"/>
+            <a:ext cx="23622000" cy="12725400"/>
+          </a:xfrm>
+        </p:spPr>
+        <p:txBody>
+          <a:bodyPr>
+            <a:normAutofit/>
+          </a:bodyPr>
+          <a:lstStyle/>
+          <a:p>
+            <a:r>
+              <a:rPr lang="en-US" dirty="0" smtClean="0"/>
+              <a:t>300ms delay =&gt; </a:t>
+            </a:r>
+            <a:r>
+              <a:rPr lang="en-US" dirty="0" err="1" smtClean="0"/>
+              <a:t>FastClick</a:t>
+            </a:r>
+            <a:endParaRPr lang="en-US" sz="3200" dirty="0"/>
+          </a:p>
+        </p:txBody>
+      </p:sp>
+    </p:spTree>
+    <p:extLst>
+      <p:ext uri="{BB962C8B-B14F-4D97-AF65-F5344CB8AC3E}">
+        <p14:creationId xmlns:p14="http://schemas.microsoft.com/office/powerpoint/2010/main" val="2824507143"/>
+      </p:ext>
+    </p:extLst>
+  </p:cSld>
+  <p:clrMapOvr>
+    <a:masterClrMapping/>
+  </p:clrMapOvr>
+  <p:transition spd="med"/>
+  <p:timing>
+    <p:tnLst>
+      <p:par>
+        <p:cTn id="1" dur="indefinite" restart="never" nodeType="tmRoot"/>
+      </p:par>
+    </p:tnLst>
+  </p:timing>
+</p:sld>
+</file>
+
+<file path=ppt/slides/slide14.xml><?xml version="1.0" encoding="utf-8"?>
 <p:sld xmlns:a="http://schemas.openxmlformats.org/drawingml/2006/main" xmlns:r="http://schemas.openxmlformats.org/officeDocument/2006/relationships" xmlns:p="http://schemas.openxmlformats.org/presentationml/2006/main">
   <p:cSld>
     <p:spTree>
@@ -2547,11 +2829,7 @@
           <a:p>
             <a:r>
               <a:rPr lang="en-US" sz="7200" dirty="0" smtClean="0"/>
-              <a:t>Generous training </a:t>
-            </a:r>
-            <a:r>
-              <a:rPr lang="en-US" sz="7200" dirty="0" smtClean="0"/>
-              <a:t>allowance</a:t>
+              <a:t>Generous training allowance</a:t>
             </a:r>
           </a:p>
           <a:p>
@@ -2559,7 +2837,6 @@
               <a:rPr lang="en-US" sz="7200" dirty="0" smtClean="0"/>
               <a:t>Talk to me if interested</a:t>
             </a:r>
-            <a:endParaRPr lang="en-US" sz="7200" dirty="0" smtClean="0"/>
           </a:p>
           <a:p>
             <a:endParaRPr lang="en-US" sz="7200" dirty="0"/>
@@ -3074,6 +3351,74 @@
           <a:chExt cx="0" cy="0"/>
         </a:xfrm>
       </p:grpSpPr>
+      <p:sp>
+        <p:nvSpPr>
+          <p:cNvPr id="2" name="Title 1"/>
+          <p:cNvSpPr>
+            <a:spLocks noGrp="1"/>
+          </p:cNvSpPr>
+          <p:nvPr>
+            <p:ph type="title"/>
+          </p:nvPr>
+        </p:nvSpPr>
+        <p:spPr>
+          <a:xfrm>
+            <a:off x="381000" y="457200"/>
+            <a:ext cx="23622000" cy="12725400"/>
+          </a:xfrm>
+        </p:spPr>
+        <p:txBody>
+          <a:bodyPr>
+            <a:normAutofit/>
+          </a:bodyPr>
+          <a:lstStyle/>
+          <a:p>
+            <a:r>
+              <a:rPr lang="en-US" dirty="0" smtClean="0"/>
+              <a:t>Let’s do it!</a:t>
+            </a:r>
+            <a:endParaRPr lang="en-US" sz="3200" dirty="0"/>
+          </a:p>
+        </p:txBody>
+      </p:sp>
+    </p:spTree>
+    <p:extLst>
+      <p:ext uri="{BB962C8B-B14F-4D97-AF65-F5344CB8AC3E}">
+        <p14:creationId xmlns:p14="http://schemas.microsoft.com/office/powerpoint/2010/main" val="4249441108"/>
+      </p:ext>
+    </p:extLst>
+  </p:cSld>
+  <p:clrMapOvr>
+    <a:masterClrMapping/>
+  </p:clrMapOvr>
+  <p:transition spd="med"/>
+  <p:timing>
+    <p:tnLst>
+      <p:par>
+        <p:cTn id="1" dur="indefinite" restart="never" nodeType="tmRoot"/>
+      </p:par>
+    </p:tnLst>
+  </p:timing>
+</p:sld>
+</file>
+
+<file path=ppt/slides/slide9.xml><?xml version="1.0" encoding="utf-8"?>
+<p:sld xmlns:a="http://schemas.openxmlformats.org/drawingml/2006/main" xmlns:r="http://schemas.openxmlformats.org/officeDocument/2006/relationships" xmlns:p="http://schemas.openxmlformats.org/presentationml/2006/main">
+  <p:cSld>
+    <p:spTree>
+      <p:nvGrpSpPr>
+        <p:cNvPr id="1" name=""/>
+        <p:cNvGrpSpPr/>
+        <p:nvPr/>
+      </p:nvGrpSpPr>
+      <p:grpSpPr>
+        <a:xfrm>
+          <a:off x="0" y="0"/>
+          <a:ext cx="0" cy="0"/>
+          <a:chOff x="0" y="0"/>
+          <a:chExt cx="0" cy="0"/>
+        </a:xfrm>
+      </p:grpSpPr>
       <p:pic>
         <p:nvPicPr>
           <p:cNvPr id="1026" name="Picture 2"/>
@@ -3132,98 +3477,6 @@
     <p:extLst>
       <p:ext uri="{BB962C8B-B14F-4D97-AF65-F5344CB8AC3E}">
         <p14:creationId xmlns:p14="http://schemas.microsoft.com/office/powerpoint/2010/main" val="330382470"/>
-      </p:ext>
-    </p:extLst>
-  </p:cSld>
-  <p:clrMapOvr>
-    <a:masterClrMapping/>
-  </p:clrMapOvr>
-  <p:transition spd="med"/>
-  <p:timing>
-    <p:tnLst>
-      <p:par>
-        <p:cTn id="1" dur="indefinite" restart="never" nodeType="tmRoot"/>
-      </p:par>
-    </p:tnLst>
-  </p:timing>
-</p:sld>
-</file>
-
-<file path=ppt/slides/slide9.xml><?xml version="1.0" encoding="utf-8"?>
-<p:sld xmlns:a="http://schemas.openxmlformats.org/drawingml/2006/main" xmlns:r="http://schemas.openxmlformats.org/officeDocument/2006/relationships" xmlns:p="http://schemas.openxmlformats.org/presentationml/2006/main">
-  <p:cSld>
-    <p:spTree>
-      <p:nvGrpSpPr>
-        <p:cNvPr id="1" name=""/>
-        <p:cNvGrpSpPr/>
-        <p:nvPr/>
-      </p:nvGrpSpPr>
-      <p:grpSpPr>
-        <a:xfrm>
-          <a:off x="0" y="0"/>
-          <a:ext cx="0" cy="0"/>
-          <a:chOff x="0" y="0"/>
-          <a:chExt cx="0" cy="0"/>
-        </a:xfrm>
-      </p:grpSpPr>
-      <p:pic>
-        <p:nvPicPr>
-          <p:cNvPr id="2050" name="Picture 2"/>
-          <p:cNvPicPr>
-            <a:picLocks noChangeAspect="1" noChangeArrowheads="1"/>
-          </p:cNvPicPr>
-          <p:nvPr/>
-        </p:nvPicPr>
-        <p:blipFill>
-          <a:blip r:embed="rId2">
-            <a:extLst>
-              <a:ext uri="{28A0092B-C50C-407E-A947-70E740481C1C}">
-                <a14:useLocalDpi xmlns:a14="http://schemas.microsoft.com/office/drawing/2010/main" val="0"/>
-              </a:ext>
-            </a:extLst>
-          </a:blip>
-          <a:srcRect/>
-          <a:stretch>
-            <a:fillRect/>
-          </a:stretch>
-        </p:blipFill>
-        <p:spPr bwMode="auto">
-          <a:xfrm>
-            <a:off x="0" y="-152400"/>
-            <a:ext cx="24384000" cy="13862009"/>
-          </a:xfrm>
-          <a:prstGeom prst="rect">
-            <a:avLst/>
-          </a:prstGeom>
-          <a:noFill/>
-          <a:ln>
-            <a:noFill/>
-          </a:ln>
-          <a:extLst>
-            <a:ext uri="{909E8E84-426E-40DD-AFC4-6F175D3DCCD1}">
-              <a14:hiddenFill xmlns:a14="http://schemas.microsoft.com/office/drawing/2010/main">
-                <a:solidFill>
-                  <a:schemeClr val="accent1"/>
-                </a:solidFill>
-              </a14:hiddenFill>
-            </a:ext>
-            <a:ext uri="{91240B29-F687-4F45-9708-019B960494DF}">
-              <a14:hiddenLine xmlns:a14="http://schemas.microsoft.com/office/drawing/2010/main" w="9525">
-                <a:solidFill>
-                  <a:schemeClr val="tx1"/>
-                </a:solidFill>
-                <a:miter lim="800000"/>
-                <a:headEnd/>
-                <a:tailEnd/>
-              </a14:hiddenLine>
-            </a:ext>
-          </a:extLst>
-        </p:spPr>
-      </p:pic>
-    </p:spTree>
-    <p:extLst>
-      <p:ext uri="{BB962C8B-B14F-4D97-AF65-F5344CB8AC3E}">
-        <p14:creationId xmlns:p14="http://schemas.microsoft.com/office/powerpoint/2010/main" val="1462362579"/>
       </p:ext>
     </p:extLst>
   </p:cSld>

--- a/speakerSlides.pptx
+++ b/speakerSlides.pptx
@@ -5,7 +5,7 @@
     <p:sldMasterId id="2147483648" r:id="rId1"/>
   </p:sldMasterIdLst>
   <p:notesMasterIdLst>
-    <p:notesMasterId r:id="rId16"/>
+    <p:notesMasterId r:id="rId20"/>
   </p:notesMasterIdLst>
   <p:sldIdLst>
     <p:sldId id="256" r:id="rId2"/>
@@ -21,7 +21,11 @@
     <p:sldId id="266" r:id="rId12"/>
     <p:sldId id="269" r:id="rId13"/>
     <p:sldId id="268" r:id="rId14"/>
-    <p:sldId id="258" r:id="rId15"/>
+    <p:sldId id="270" r:id="rId15"/>
+    <p:sldId id="273" r:id="rId16"/>
+    <p:sldId id="271" r:id="rId17"/>
+    <p:sldId id="272" r:id="rId18"/>
+    <p:sldId id="258" r:id="rId19"/>
   </p:sldIdLst>
   <p:sldSz cx="24384000" cy="13716000"/>
   <p:notesSz cx="6858000" cy="9144000"/>
@@ -1306,7 +1310,7 @@
           </a:ln>
           <a:extLst>
             <a:ext uri="{C572A759-6A51-4108-AA02-DFA0A04FC94B}">
-              <ma14:wrappingTextBoxFlag xmlns="" xmlns:ma14="http://schemas.microsoft.com/office/mac/drawingml/2011/main" val="1"/>
+              <ma14:wrappingTextBoxFlag xmlns:ma14="http://schemas.microsoft.com/office/mac/drawingml/2011/main" xmlns="" val="1"/>
             </a:ext>
           </a:extLst>
         </p:spPr>
@@ -1349,7 +1353,7 @@
           </a:ln>
           <a:extLst>
             <a:ext uri="{C572A759-6A51-4108-AA02-DFA0A04FC94B}">
-              <ma14:wrappingTextBoxFlag xmlns="" xmlns:ma14="http://schemas.microsoft.com/office/mac/drawingml/2011/main" val="1"/>
+              <ma14:wrappingTextBoxFlag xmlns:ma14="http://schemas.microsoft.com/office/mac/drawingml/2011/main" xmlns="" val="1"/>
             </a:ext>
           </a:extLst>
         </p:spPr>
@@ -2195,6 +2199,422 @@
           <a:chExt cx="0" cy="0"/>
         </a:xfrm>
       </p:grpSpPr>
+      <p:sp>
+        <p:nvSpPr>
+          <p:cNvPr id="2" name="Title 1"/>
+          <p:cNvSpPr>
+            <a:spLocks noGrp="1"/>
+          </p:cNvSpPr>
+          <p:nvPr>
+            <p:ph type="title"/>
+          </p:nvPr>
+        </p:nvSpPr>
+        <p:spPr/>
+        <p:txBody>
+          <a:bodyPr/>
+          <a:lstStyle/>
+          <a:p>
+            <a:r>
+              <a:rPr lang="en-US" dirty="0" err="1" smtClean="0"/>
+              <a:t>PhoneGap</a:t>
+            </a:r>
+            <a:r>
+              <a:rPr lang="en-US" dirty="0" smtClean="0"/>
+              <a:t> Build</a:t>
+            </a:r>
+            <a:endParaRPr lang="en-US" dirty="0"/>
+          </a:p>
+        </p:txBody>
+      </p:sp>
+      <p:sp>
+        <p:nvSpPr>
+          <p:cNvPr id="3" name="Text Placeholder 2"/>
+          <p:cNvSpPr>
+            <a:spLocks noGrp="1"/>
+          </p:cNvSpPr>
+          <p:nvPr>
+            <p:ph type="body" idx="1"/>
+          </p:nvPr>
+        </p:nvSpPr>
+        <p:spPr/>
+        <p:txBody>
+          <a:bodyPr anchor="t"/>
+          <a:lstStyle/>
+          <a:p>
+            <a:r>
+              <a:rPr lang="en-US" dirty="0" smtClean="0"/>
+              <a:t>www folder =&gt; DONE!</a:t>
+            </a:r>
+          </a:p>
+          <a:p>
+            <a:r>
+              <a:rPr lang="en-US" dirty="0" err="1" smtClean="0"/>
+              <a:t>Configap</a:t>
+            </a:r>
+            <a:r>
+              <a:rPr lang="en-US" dirty="0" smtClean="0"/>
+              <a:t>  for configuration</a:t>
+            </a:r>
+          </a:p>
+          <a:p>
+            <a:r>
+              <a:rPr lang="en-US" dirty="0" smtClean="0"/>
+              <a:t>Rejoice</a:t>
+            </a:r>
+            <a:endParaRPr lang="en-US" dirty="0"/>
+          </a:p>
+        </p:txBody>
+      </p:sp>
+      <p:pic>
+        <p:nvPicPr>
+          <p:cNvPr id="4" name="Picture 3"/>
+          <p:cNvPicPr>
+            <a:picLocks noChangeAspect="1"/>
+          </p:cNvPicPr>
+          <p:nvPr/>
+        </p:nvPicPr>
+        <p:blipFill>
+          <a:blip r:embed="rId2">
+            <a:extLst>
+              <a:ext uri="{28A0092B-C50C-407E-A947-70E740481C1C}">
+                <a14:useLocalDpi xmlns:a14="http://schemas.microsoft.com/office/drawing/2010/main" val="0"/>
+              </a:ext>
+            </a:extLst>
+          </a:blip>
+          <a:stretch>
+            <a:fillRect/>
+          </a:stretch>
+        </p:blipFill>
+        <p:spPr>
+          <a:xfrm>
+            <a:off x="4495800" y="6705599"/>
+            <a:ext cx="14706600" cy="5621789"/>
+          </a:xfrm>
+          <a:prstGeom prst="rect">
+            <a:avLst/>
+          </a:prstGeom>
+        </p:spPr>
+      </p:pic>
+    </p:spTree>
+    <p:extLst>
+      <p:ext uri="{BB962C8B-B14F-4D97-AF65-F5344CB8AC3E}">
+        <p14:creationId xmlns:p14="http://schemas.microsoft.com/office/powerpoint/2010/main" val="425687206"/>
+      </p:ext>
+    </p:extLst>
+  </p:cSld>
+  <p:clrMapOvr>
+    <a:masterClrMapping/>
+  </p:clrMapOvr>
+  <p:transition spd="med"/>
+  <p:timing>
+    <p:tnLst>
+      <p:par>
+        <p:cTn id="1" dur="indefinite" restart="never" nodeType="tmRoot"/>
+      </p:par>
+    </p:tnLst>
+  </p:timing>
+</p:sld>
+</file>
+
+<file path=ppt/slides/slide15.xml><?xml version="1.0" encoding="utf-8"?>
+<p:sld xmlns:a="http://schemas.openxmlformats.org/drawingml/2006/main" xmlns:r="http://schemas.openxmlformats.org/officeDocument/2006/relationships" xmlns:p="http://schemas.openxmlformats.org/presentationml/2006/main">
+  <p:cSld>
+    <p:spTree>
+      <p:nvGrpSpPr>
+        <p:cNvPr id="1" name=""/>
+        <p:cNvGrpSpPr/>
+        <p:nvPr/>
+      </p:nvGrpSpPr>
+      <p:grpSpPr>
+        <a:xfrm>
+          <a:off x="0" y="0"/>
+          <a:ext cx="0" cy="0"/>
+          <a:chOff x="0" y="0"/>
+          <a:chExt cx="0" cy="0"/>
+        </a:xfrm>
+      </p:grpSpPr>
+      <p:sp>
+        <p:nvSpPr>
+          <p:cNvPr id="2" name="Title 1"/>
+          <p:cNvSpPr>
+            <a:spLocks noGrp="1"/>
+          </p:cNvSpPr>
+          <p:nvPr>
+            <p:ph type="title"/>
+          </p:nvPr>
+        </p:nvSpPr>
+        <p:spPr/>
+        <p:txBody>
+          <a:bodyPr/>
+          <a:lstStyle/>
+          <a:p>
+            <a:r>
+              <a:rPr lang="en-US" dirty="0" smtClean="0"/>
+              <a:t>Next Steps</a:t>
+            </a:r>
+            <a:endParaRPr lang="en-US" dirty="0"/>
+          </a:p>
+        </p:txBody>
+      </p:sp>
+      <p:sp>
+        <p:nvSpPr>
+          <p:cNvPr id="3" name="Text Placeholder 2"/>
+          <p:cNvSpPr>
+            <a:spLocks noGrp="1"/>
+          </p:cNvSpPr>
+          <p:nvPr>
+            <p:ph type="body" idx="1"/>
+          </p:nvPr>
+        </p:nvSpPr>
+        <p:spPr>
+          <a:xfrm>
+            <a:off x="4387452" y="3661171"/>
+            <a:ext cx="15576947" cy="8840392"/>
+          </a:xfrm>
+        </p:spPr>
+        <p:txBody>
+          <a:bodyPr anchor="t"/>
+          <a:lstStyle/>
+          <a:p>
+            <a:r>
+              <a:rPr lang="en-US" dirty="0" smtClean="0"/>
+              <a:t>Contact server to get update session/speaker info</a:t>
+            </a:r>
+          </a:p>
+          <a:p>
+            <a:r>
+              <a:rPr lang="en-US" dirty="0" smtClean="0"/>
+              <a:t>Send notifications when sessions in your schedule are updated</a:t>
+            </a:r>
+          </a:p>
+          <a:p>
+            <a:r>
+              <a:rPr lang="en-US" dirty="0" smtClean="0"/>
+              <a:t>Send notification when sessions in your schedule are about to begin</a:t>
+            </a:r>
+          </a:p>
+          <a:p>
+            <a:r>
+              <a:rPr lang="en-US" dirty="0" smtClean="0"/>
+              <a:t>…</a:t>
+            </a:r>
+            <a:endParaRPr lang="en-US" dirty="0"/>
+          </a:p>
+        </p:txBody>
+      </p:sp>
+    </p:spTree>
+    <p:extLst>
+      <p:ext uri="{BB962C8B-B14F-4D97-AF65-F5344CB8AC3E}">
+        <p14:creationId xmlns:p14="http://schemas.microsoft.com/office/powerpoint/2010/main" val="2729055854"/>
+      </p:ext>
+    </p:extLst>
+  </p:cSld>
+  <p:clrMapOvr>
+    <a:masterClrMapping/>
+  </p:clrMapOvr>
+  <p:transition spd="med"/>
+  <p:timing>
+    <p:tnLst>
+      <p:par>
+        <p:cTn id="1" dur="indefinite" restart="never" nodeType="tmRoot"/>
+      </p:par>
+    </p:tnLst>
+  </p:timing>
+</p:sld>
+</file>
+
+<file path=ppt/slides/slide16.xml><?xml version="1.0" encoding="utf-8"?>
+<p:sld xmlns:a="http://schemas.openxmlformats.org/drawingml/2006/main" xmlns:r="http://schemas.openxmlformats.org/officeDocument/2006/relationships" xmlns:p="http://schemas.openxmlformats.org/presentationml/2006/main">
+  <p:cSld>
+    <p:spTree>
+      <p:nvGrpSpPr>
+        <p:cNvPr id="1" name=""/>
+        <p:cNvGrpSpPr/>
+        <p:nvPr/>
+      </p:nvGrpSpPr>
+      <p:grpSpPr>
+        <a:xfrm>
+          <a:off x="0" y="0"/>
+          <a:ext cx="0" cy="0"/>
+          <a:chOff x="0" y="0"/>
+          <a:chExt cx="0" cy="0"/>
+        </a:xfrm>
+      </p:grpSpPr>
+      <p:sp>
+        <p:nvSpPr>
+          <p:cNvPr id="2" name="Title 1"/>
+          <p:cNvSpPr>
+            <a:spLocks noGrp="1"/>
+          </p:cNvSpPr>
+          <p:nvPr>
+            <p:ph type="title"/>
+          </p:nvPr>
+        </p:nvSpPr>
+        <p:spPr/>
+        <p:txBody>
+          <a:bodyPr/>
+          <a:lstStyle/>
+          <a:p>
+            <a:r>
+              <a:rPr lang="en-US" dirty="0" smtClean="0"/>
+              <a:t>Questions?</a:t>
+            </a:r>
+            <a:endParaRPr lang="en-US" dirty="0"/>
+          </a:p>
+        </p:txBody>
+      </p:sp>
+    </p:spTree>
+    <p:extLst>
+      <p:ext uri="{BB962C8B-B14F-4D97-AF65-F5344CB8AC3E}">
+        <p14:creationId xmlns:p14="http://schemas.microsoft.com/office/powerpoint/2010/main" val="2647589503"/>
+      </p:ext>
+    </p:extLst>
+  </p:cSld>
+  <p:clrMapOvr>
+    <a:masterClrMapping/>
+  </p:clrMapOvr>
+  <p:transition spd="med"/>
+  <p:timing>
+    <p:tnLst>
+      <p:par>
+        <p:cTn id="1" dur="indefinite" restart="never" nodeType="tmRoot"/>
+      </p:par>
+    </p:tnLst>
+  </p:timing>
+</p:sld>
+</file>
+
+<file path=ppt/slides/slide17.xml><?xml version="1.0" encoding="utf-8"?>
+<p:sld xmlns:a="http://schemas.openxmlformats.org/drawingml/2006/main" xmlns:r="http://schemas.openxmlformats.org/officeDocument/2006/relationships" xmlns:p="http://schemas.openxmlformats.org/presentationml/2006/main">
+  <p:cSld>
+    <p:spTree>
+      <p:nvGrpSpPr>
+        <p:cNvPr id="1" name=""/>
+        <p:cNvGrpSpPr/>
+        <p:nvPr/>
+      </p:nvGrpSpPr>
+      <p:grpSpPr>
+        <a:xfrm>
+          <a:off x="0" y="0"/>
+          <a:ext cx="0" cy="0"/>
+          <a:chOff x="0" y="0"/>
+          <a:chExt cx="0" cy="0"/>
+        </a:xfrm>
+      </p:grpSpPr>
+      <p:sp>
+        <p:nvSpPr>
+          <p:cNvPr id="2" name="Text Placeholder 1"/>
+          <p:cNvSpPr>
+            <a:spLocks noGrp="1"/>
+          </p:cNvSpPr>
+          <p:nvPr>
+            <p:ph type="body" idx="1"/>
+          </p:nvPr>
+        </p:nvSpPr>
+        <p:spPr/>
+        <p:txBody>
+          <a:bodyPr/>
+          <a:lstStyle/>
+          <a:p>
+            <a:pPr marL="0" indent="0" algn="ctr">
+              <a:buNone/>
+            </a:pPr>
+            <a:r>
+              <a:rPr lang="en-US" dirty="0" smtClean="0"/>
+              <a:t>Thank you!</a:t>
+            </a:r>
+          </a:p>
+          <a:p>
+            <a:pPr marL="0" indent="0">
+              <a:buNone/>
+            </a:pPr>
+            <a:r>
+              <a:rPr lang="en-US" dirty="0" smtClean="0"/>
+              <a:t>Alper </a:t>
+            </a:r>
+            <a:r>
+              <a:rPr lang="en-US" dirty="0" smtClean="0"/>
+              <a:t>Sunar</a:t>
+            </a:r>
+          </a:p>
+          <a:p>
+            <a:pPr marL="0" indent="0">
+              <a:buNone/>
+            </a:pPr>
+            <a:r>
+              <a:rPr lang="en-US" dirty="0" smtClean="0"/>
+              <a:t>@</a:t>
+            </a:r>
+            <a:r>
+              <a:rPr lang="en-US" dirty="0" err="1" smtClean="0"/>
+              <a:t>asunar</a:t>
+            </a:r>
+            <a:endParaRPr lang="en-US" dirty="0" smtClean="0"/>
+          </a:p>
+          <a:p>
+            <a:pPr marL="0" indent="0">
+              <a:buNone/>
+            </a:pPr>
+            <a:r>
+              <a:rPr lang="en-US" dirty="0" smtClean="0"/>
+              <a:t>github.com/</a:t>
+            </a:r>
+            <a:r>
+              <a:rPr lang="en-US" dirty="0" err="1" smtClean="0"/>
+              <a:t>asunar</a:t>
+            </a:r>
+            <a:endParaRPr lang="en-US" dirty="0" smtClean="0"/>
+          </a:p>
+          <a:p>
+            <a:pPr marL="0" indent="0">
+              <a:buNone/>
+            </a:pPr>
+            <a:r>
+              <a:rPr lang="en-US" dirty="0" err="1" smtClean="0"/>
+              <a:t>Paylocity</a:t>
+            </a:r>
+            <a:endParaRPr lang="en-US" dirty="0"/>
+          </a:p>
+        </p:txBody>
+      </p:sp>
+    </p:spTree>
+    <p:extLst>
+      <p:ext uri="{BB962C8B-B14F-4D97-AF65-F5344CB8AC3E}">
+        <p14:creationId xmlns:p14="http://schemas.microsoft.com/office/powerpoint/2010/main" val="2781334945"/>
+      </p:ext>
+    </p:extLst>
+  </p:cSld>
+  <p:clrMapOvr>
+    <a:masterClrMapping/>
+  </p:clrMapOvr>
+  <p:transition spd="med"/>
+  <p:timing>
+    <p:tnLst>
+      <p:par>
+        <p:cTn id="1" dur="indefinite" restart="never" nodeType="tmRoot"/>
+      </p:par>
+    </p:tnLst>
+  </p:timing>
+</p:sld>
+</file>
+
+<file path=ppt/slides/slide18.xml><?xml version="1.0" encoding="utf-8"?>
+<p:sld xmlns:a="http://schemas.openxmlformats.org/drawingml/2006/main" xmlns:r="http://schemas.openxmlformats.org/officeDocument/2006/relationships" xmlns:p="http://schemas.openxmlformats.org/presentationml/2006/main">
+  <p:cSld>
+    <p:spTree>
+      <p:nvGrpSpPr>
+        <p:cNvPr id="1" name=""/>
+        <p:cNvGrpSpPr/>
+        <p:nvPr/>
+      </p:nvGrpSpPr>
+      <p:grpSpPr>
+        <a:xfrm>
+          <a:off x="0" y="0"/>
+          <a:ext cx="0" cy="0"/>
+          <a:chOff x="0" y="0"/>
+          <a:chExt cx="0" cy="0"/>
+        </a:xfrm>
+      </p:grpSpPr>
       <p:pic>
         <p:nvPicPr>
           <p:cNvPr id="49" name="Header-Background.jpg"/>
